--- a/MANI.pptx
+++ b/MANI.pptx
@@ -19,8 +19,8 @@
     <p:sldId id="265" r:id="rId11"/>
     <p:sldId id="266" r:id="rId12"/>
     <p:sldId id="267" r:id="rId13"/>
-    <p:sldId id="269" r:id="rId14"/>
-    <p:sldId id="268" r:id="rId15"/>
+    <p:sldId id="268" r:id="rId14"/>
+    <p:sldId id="269" r:id="rId15"/>
     <p:sldId id="270" r:id="rId16"/>
     <p:sldId id="271" r:id="rId17"/>
   </p:sldIdLst>
@@ -3237,7 +3237,7 @@
   <p:cSld>
     <p:spTree>
       <p:nvGrpSpPr>
-        <p:cNvPr id="27" name=""/>
+        <p:cNvPr id="28" name=""/>
         <p:cNvGrpSpPr/>
         <p:nvPr/>
       </p:nvGrpSpPr>
@@ -3251,7 +3251,7 @@
       </p:grpSpPr>
       <p:pic>
         <p:nvPicPr>
-          <p:cNvPr id="2097153" name="Picture 1"/>
+          <p:cNvPr id="2097154" name="Picture 1"/>
           <p:cNvPicPr>
             <a:picLocks noChangeAspect="1"/>
           </p:cNvPicPr>
@@ -3273,7 +3273,7 @@
       </p:pic>
       <p:sp>
         <p:nvSpPr>
-          <p:cNvPr id="1048605" name="Rectangle 2"/>
+          <p:cNvPr id="1048606" name="Rectangle 2"/>
           <p:cNvSpPr/>
           <p:nvPr/>
         </p:nvSpPr>
@@ -3314,7 +3314,7 @@
   <p:cSld>
     <p:spTree>
       <p:nvGrpSpPr>
-        <p:cNvPr id="28" name=""/>
+        <p:cNvPr id="27" name=""/>
         <p:cNvGrpSpPr/>
         <p:nvPr/>
       </p:nvGrpSpPr>
@@ -3328,7 +3328,7 @@
       </p:grpSpPr>
       <p:sp>
         <p:nvSpPr>
-          <p:cNvPr id="1048606" name="Rectangle 1"/>
+          <p:cNvPr id="1048605" name="Rectangle 1"/>
           <p:cNvSpPr/>
           <p:nvPr/>
         </p:nvSpPr>
@@ -3358,7 +3358,7 @@
       </p:sp>
       <p:pic>
         <p:nvPicPr>
-          <p:cNvPr id="2097154" name="Picture 2"/>
+          <p:cNvPr id="2097153" name="Picture 2"/>
           <p:cNvPicPr>
             <a:picLocks noChangeAspect="1"/>
           </p:cNvPicPr>
@@ -3727,6 +3727,41 @@
               <a:t>GITHUB LINK</a:t>
             </a:r>
             <a:endParaRPr b="1" sz="2800" lang="en-US">
+              <a:solidFill>
+                <a:srgbClr val="000000"/>
+              </a:solidFill>
+            </a:endParaRPr>
+          </a:p>
+        </p:txBody>
+      </p:sp>
+      <p:sp>
+        <p:nvSpPr>
+          <p:cNvPr id="1048712" name=""/>
+          <p:cNvSpPr txBox="1"/>
+          <p:nvPr/>
+        </p:nvSpPr>
+        <p:spPr>
+          <a:xfrm>
+            <a:off x="275182" y="2759130"/>
+            <a:ext cx="11641637" cy="447040"/>
+          </a:xfrm>
+          <a:prstGeom prst="rect"/>
+        </p:spPr>
+        <p:txBody>
+          <a:bodyPr rtlCol="0" wrap="square">
+            <a:spAutoFit/>
+          </a:bodyPr>
+          <a:p>
+            <a:r>
+              <a:rPr sz="2800" lang="en-US">
+                <a:solidFill>
+                  <a:srgbClr val="000000"/>
+                </a:solidFill>
+                <a:hlinkClick r:id="rId1"/>
+              </a:rPr>
+              <a:t>https://github.com/24bcanm19-in/MANIKANDAN-NAANMUDTHALVAN-2025.git</a:t>
+            </a:r>
+            <a:endParaRPr sz="2800" lang="en-US">
               <a:solidFill>
                 <a:srgbClr val="000000"/>
               </a:solidFill>
